--- a/File support/Sơ đồ khối phần cứng.pptx
+++ b/File support/Sơ đồ khối phần cứng.pptx
@@ -259,7 +259,7 @@
           <a:p>
             <a:fld id="{93863719-E791-44AE-8723-7203E19345E2}" type="datetimeFigureOut">
               <a:rPr lang="en-US" smtClean="0"/>
-              <a:t>5/1/2024</a:t>
+              <a:t>5/13/2024</a:t>
             </a:fld>
             <a:endParaRPr lang="en-US"/>
           </a:p>
@@ -457,7 +457,7 @@
           <a:p>
             <a:fld id="{93863719-E791-44AE-8723-7203E19345E2}" type="datetimeFigureOut">
               <a:rPr lang="en-US" smtClean="0"/>
-              <a:t>5/1/2024</a:t>
+              <a:t>5/13/2024</a:t>
             </a:fld>
             <a:endParaRPr lang="en-US"/>
           </a:p>
@@ -665,7 +665,7 @@
           <a:p>
             <a:fld id="{93863719-E791-44AE-8723-7203E19345E2}" type="datetimeFigureOut">
               <a:rPr lang="en-US" smtClean="0"/>
-              <a:t>5/1/2024</a:t>
+              <a:t>5/13/2024</a:t>
             </a:fld>
             <a:endParaRPr lang="en-US"/>
           </a:p>
@@ -863,7 +863,7 @@
           <a:p>
             <a:fld id="{93863719-E791-44AE-8723-7203E19345E2}" type="datetimeFigureOut">
               <a:rPr lang="en-US" smtClean="0"/>
-              <a:t>5/1/2024</a:t>
+              <a:t>5/13/2024</a:t>
             </a:fld>
             <a:endParaRPr lang="en-US"/>
           </a:p>
@@ -1138,7 +1138,7 @@
           <a:p>
             <a:fld id="{93863719-E791-44AE-8723-7203E19345E2}" type="datetimeFigureOut">
               <a:rPr lang="en-US" smtClean="0"/>
-              <a:t>5/1/2024</a:t>
+              <a:t>5/13/2024</a:t>
             </a:fld>
             <a:endParaRPr lang="en-US"/>
           </a:p>
@@ -1403,7 +1403,7 @@
           <a:p>
             <a:fld id="{93863719-E791-44AE-8723-7203E19345E2}" type="datetimeFigureOut">
               <a:rPr lang="en-US" smtClean="0"/>
-              <a:t>5/1/2024</a:t>
+              <a:t>5/13/2024</a:t>
             </a:fld>
             <a:endParaRPr lang="en-US"/>
           </a:p>
@@ -1815,7 +1815,7 @@
           <a:p>
             <a:fld id="{93863719-E791-44AE-8723-7203E19345E2}" type="datetimeFigureOut">
               <a:rPr lang="en-US" smtClean="0"/>
-              <a:t>5/1/2024</a:t>
+              <a:t>5/13/2024</a:t>
             </a:fld>
             <a:endParaRPr lang="en-US"/>
           </a:p>
@@ -1956,7 +1956,7 @@
           <a:p>
             <a:fld id="{93863719-E791-44AE-8723-7203E19345E2}" type="datetimeFigureOut">
               <a:rPr lang="en-US" smtClean="0"/>
-              <a:t>5/1/2024</a:t>
+              <a:t>5/13/2024</a:t>
             </a:fld>
             <a:endParaRPr lang="en-US"/>
           </a:p>
@@ -2069,7 +2069,7 @@
           <a:p>
             <a:fld id="{93863719-E791-44AE-8723-7203E19345E2}" type="datetimeFigureOut">
               <a:rPr lang="en-US" smtClean="0"/>
-              <a:t>5/1/2024</a:t>
+              <a:t>5/13/2024</a:t>
             </a:fld>
             <a:endParaRPr lang="en-US"/>
           </a:p>
@@ -2380,7 +2380,7 @@
           <a:p>
             <a:fld id="{93863719-E791-44AE-8723-7203E19345E2}" type="datetimeFigureOut">
               <a:rPr lang="en-US" smtClean="0"/>
-              <a:t>5/1/2024</a:t>
+              <a:t>5/13/2024</a:t>
             </a:fld>
             <a:endParaRPr lang="en-US"/>
           </a:p>
@@ -2668,7 +2668,7 @@
           <a:p>
             <a:fld id="{93863719-E791-44AE-8723-7203E19345E2}" type="datetimeFigureOut">
               <a:rPr lang="en-US" smtClean="0"/>
-              <a:t>5/1/2024</a:t>
+              <a:t>5/13/2024</a:t>
             </a:fld>
             <a:endParaRPr lang="en-US"/>
           </a:p>
@@ -2909,7 +2909,7 @@
           <a:p>
             <a:fld id="{93863719-E791-44AE-8723-7203E19345E2}" type="datetimeFigureOut">
               <a:rPr lang="en-US" smtClean="0"/>
-              <a:t>5/1/2024</a:t>
+              <a:t>5/13/2024</a:t>
             </a:fld>
             <a:endParaRPr lang="en-US"/>
           </a:p>
@@ -3328,10 +3328,10 @@
       </p:grpSpPr>
       <p:pic>
         <p:nvPicPr>
-          <p:cNvPr id="1028" name="Picture 4" descr="NodeMcu Lua WIFI ESP8266 Điện Tử 360(E360)">
-            <a:extLst>
-              <a:ext uri="{FF2B5EF4-FFF2-40B4-BE49-F238E27FC236}">
-                <a16:creationId xmlns:a16="http://schemas.microsoft.com/office/drawing/2014/main" id="{90B6F597-B98B-569D-F0C6-96967F05C6BC}"/>
+          <p:cNvPr id="35" name="Picture 6" descr="Cảm biến thân nhiệt chuyển động PIR HC-SR505 Mini">
+            <a:extLst>
+              <a:ext uri="{FF2B5EF4-FFF2-40B4-BE49-F238E27FC236}">
+                <a16:creationId xmlns:a16="http://schemas.microsoft.com/office/drawing/2014/main" id="{75795BAA-711A-857B-3B99-FC391505E8DE}"/>
               </a:ext>
             </a:extLst>
           </p:cNvPr>
@@ -3355,8 +3355,8 @@
         </p:blipFill>
         <p:spPr bwMode="auto">
           <a:xfrm>
-            <a:off x="2267622" y="1198706"/>
-            <a:ext cx="1442357" cy="1442357"/>
+            <a:off x="4474056" y="5723148"/>
+            <a:ext cx="884024" cy="884024"/>
           </a:xfrm>
           <a:prstGeom prst="rect">
             <a:avLst/>
@@ -3375,10 +3375,10 @@
       </p:pic>
       <p:pic>
         <p:nvPicPr>
-          <p:cNvPr id="1030" name="Picture 6" descr="Mô-đun cảm biến nhiệt độ và độ ẩm DHT11 với các nhà sản xuất LED và nhà  cung cấp Trung Quốc - Bảng giá - Kuongshun điện tử">
-            <a:extLst>
-              <a:ext uri="{FF2B5EF4-FFF2-40B4-BE49-F238E27FC236}">
-                <a16:creationId xmlns:a16="http://schemas.microsoft.com/office/drawing/2014/main" id="{FDF9B394-F83A-F71D-1760-82D3794398AB}"/>
+          <p:cNvPr id="1028" name="Picture 4" descr="NodeMcu Lua WIFI ESP8266 Điện Tử 360(E360)">
+            <a:extLst>
+              <a:ext uri="{FF2B5EF4-FFF2-40B4-BE49-F238E27FC236}">
+                <a16:creationId xmlns:a16="http://schemas.microsoft.com/office/drawing/2014/main" id="{90B6F597-B98B-569D-F0C6-96967F05C6BC}"/>
               </a:ext>
             </a:extLst>
           </p:cNvPr>
@@ -3402,8 +3402,8 @@
         </p:blipFill>
         <p:spPr bwMode="auto">
           <a:xfrm>
-            <a:off x="278782" y="1244961"/>
-            <a:ext cx="1057279" cy="1057279"/>
+            <a:off x="2267622" y="1198706"/>
+            <a:ext cx="1442357" cy="1442357"/>
           </a:xfrm>
           <a:prstGeom prst="rect">
             <a:avLst/>
@@ -3422,10 +3422,10 @@
       </p:pic>
       <p:pic>
         <p:nvPicPr>
-          <p:cNvPr id="1036" name="Picture 12" descr="Node-RED - Wikipedia">
-            <a:extLst>
-              <a:ext uri="{FF2B5EF4-FFF2-40B4-BE49-F238E27FC236}">
-                <a16:creationId xmlns:a16="http://schemas.microsoft.com/office/drawing/2014/main" id="{7DA498B8-84CA-2CB9-72D5-195F49728DCB}"/>
+          <p:cNvPr id="1030" name="Picture 6" descr="Mô-đun cảm biến nhiệt độ và độ ẩm DHT11 với các nhà sản xuất LED và nhà  cung cấp Trung Quốc - Bảng giá - Kuongshun điện tử">
+            <a:extLst>
+              <a:ext uri="{FF2B5EF4-FFF2-40B4-BE49-F238E27FC236}">
+                <a16:creationId xmlns:a16="http://schemas.microsoft.com/office/drawing/2014/main" id="{FDF9B394-F83A-F71D-1760-82D3794398AB}"/>
               </a:ext>
             </a:extLst>
           </p:cNvPr>
@@ -3449,8 +3449,8 @@
         </p:blipFill>
         <p:spPr bwMode="auto">
           <a:xfrm>
-            <a:off x="6704520" y="1588114"/>
-            <a:ext cx="1407777" cy="1407777"/>
+            <a:off x="220189" y="474932"/>
+            <a:ext cx="1057279" cy="1057279"/>
           </a:xfrm>
           <a:prstGeom prst="rect">
             <a:avLst/>
@@ -3469,10 +3469,10 @@
       </p:pic>
       <p:pic>
         <p:nvPicPr>
-          <p:cNvPr id="1040" name="Picture 16" descr="Module 4 Relay Kích H/L (5VDC) - Nshop">
-            <a:extLst>
-              <a:ext uri="{FF2B5EF4-FFF2-40B4-BE49-F238E27FC236}">
-                <a16:creationId xmlns:a16="http://schemas.microsoft.com/office/drawing/2014/main" id="{1C1DADC0-B984-E20A-1D6A-DDA23C6C8A77}"/>
+          <p:cNvPr id="1036" name="Picture 12" descr="Node-RED - Wikipedia">
+            <a:extLst>
+              <a:ext uri="{FF2B5EF4-FFF2-40B4-BE49-F238E27FC236}">
+                <a16:creationId xmlns:a16="http://schemas.microsoft.com/office/drawing/2014/main" id="{7DA498B8-84CA-2CB9-72D5-195F49728DCB}"/>
               </a:ext>
             </a:extLst>
           </p:cNvPr>
@@ -3496,8 +3496,8 @@
         </p:blipFill>
         <p:spPr bwMode="auto">
           <a:xfrm>
-            <a:off x="4723283" y="4092491"/>
-            <a:ext cx="1225198" cy="1225198"/>
+            <a:off x="6623354" y="2812291"/>
+            <a:ext cx="1407777" cy="1407777"/>
           </a:xfrm>
           <a:prstGeom prst="rect">
             <a:avLst/>
@@ -3514,6 +3514,53 @@
           </a:extLst>
         </p:spPr>
       </p:pic>
+      <p:pic>
+        <p:nvPicPr>
+          <p:cNvPr id="1040" name="Picture 16" descr="Module 4 Relay Kích H/L (5VDC) - Nshop">
+            <a:extLst>
+              <a:ext uri="{FF2B5EF4-FFF2-40B4-BE49-F238E27FC236}">
+                <a16:creationId xmlns:a16="http://schemas.microsoft.com/office/drawing/2014/main" id="{1C1DADC0-B984-E20A-1D6A-DDA23C6C8A77}"/>
+              </a:ext>
+            </a:extLst>
+          </p:cNvPr>
+          <p:cNvPicPr>
+            <a:picLocks noChangeAspect="1" noChangeArrowheads="1"/>
+          </p:cNvPicPr>
+          <p:nvPr/>
+        </p:nvPicPr>
+        <p:blipFill>
+          <a:blip r:embed="rId6">
+            <a:extLst>
+              <a:ext uri="{28A0092B-C50C-407E-A947-70E740481C1C}">
+                <a14:useLocalDpi xmlns:a14="http://schemas.microsoft.com/office/drawing/2010/main" val="0"/>
+              </a:ext>
+            </a:extLst>
+          </a:blip>
+          <a:srcRect/>
+          <a:stretch>
+            <a:fillRect/>
+          </a:stretch>
+        </p:blipFill>
+        <p:spPr bwMode="auto">
+          <a:xfrm>
+            <a:off x="4975164" y="4595784"/>
+            <a:ext cx="1225198" cy="1225198"/>
+          </a:xfrm>
+          <a:prstGeom prst="rect">
+            <a:avLst/>
+          </a:prstGeom>
+          <a:noFill/>
+          <a:extLst>
+            <a:ext uri="{909E8E84-426E-40DD-AFC4-6F175D3DCCD1}">
+              <a14:hiddenFill xmlns:a14="http://schemas.microsoft.com/office/drawing/2010/main">
+                <a:solidFill>
+                  <a:srgbClr val="FFFFFF"/>
+                </a:solidFill>
+              </a14:hiddenFill>
+            </a:ext>
+          </a:extLst>
+        </p:spPr>
+      </p:pic>
       <p:cxnSp>
         <p:nvCxnSpPr>
           <p:cNvPr id="6" name="Straight Arrow Connector 5">
@@ -3532,88 +3579,6 @@
           <a:xfrm>
             <a:off x="1276909" y="1087165"/>
             <a:ext cx="981231" cy="409885"/>
-          </a:xfrm>
-          <a:prstGeom prst="straightConnector1">
-            <a:avLst/>
-          </a:prstGeom>
-          <a:ln>
-            <a:tailEnd type="triangle"/>
-          </a:ln>
-        </p:spPr>
-        <p:style>
-          <a:lnRef idx="3">
-            <a:schemeClr val="accent2"/>
-          </a:lnRef>
-          <a:fillRef idx="0">
-            <a:schemeClr val="accent2"/>
-          </a:fillRef>
-          <a:effectRef idx="2">
-            <a:schemeClr val="accent2"/>
-          </a:effectRef>
-          <a:fontRef idx="minor">
-            <a:schemeClr val="tx1"/>
-          </a:fontRef>
-        </p:style>
-      </p:cxnSp>
-      <p:cxnSp>
-        <p:nvCxnSpPr>
-          <p:cNvPr id="7" name="Straight Arrow Connector 6">
-            <a:extLst>
-              <a:ext uri="{FF2B5EF4-FFF2-40B4-BE49-F238E27FC236}">
-                <a16:creationId xmlns:a16="http://schemas.microsoft.com/office/drawing/2014/main" id="{10470582-7E99-E450-CC9B-6E84E29DFB0C}"/>
-              </a:ext>
-            </a:extLst>
-          </p:cNvPr>
-          <p:cNvCxnSpPr>
-            <a:cxnSpLocks/>
-          </p:cNvCxnSpPr>
-          <p:nvPr/>
-        </p:nvCxnSpPr>
-        <p:spPr>
-          <a:xfrm>
-            <a:off x="1380146" y="1773600"/>
-            <a:ext cx="756534" cy="0"/>
-          </a:xfrm>
-          <a:prstGeom prst="straightConnector1">
-            <a:avLst/>
-          </a:prstGeom>
-          <a:ln>
-            <a:tailEnd type="triangle"/>
-          </a:ln>
-        </p:spPr>
-        <p:style>
-          <a:lnRef idx="3">
-            <a:schemeClr val="accent2"/>
-          </a:lnRef>
-          <a:fillRef idx="0">
-            <a:schemeClr val="accent2"/>
-          </a:fillRef>
-          <a:effectRef idx="2">
-            <a:schemeClr val="accent2"/>
-          </a:effectRef>
-          <a:fontRef idx="minor">
-            <a:schemeClr val="tx1"/>
-          </a:fontRef>
-        </p:style>
-      </p:cxnSp>
-      <p:cxnSp>
-        <p:nvCxnSpPr>
-          <p:cNvPr id="9" name="Straight Arrow Connector 8">
-            <a:extLst>
-              <a:ext uri="{FF2B5EF4-FFF2-40B4-BE49-F238E27FC236}">
-                <a16:creationId xmlns:a16="http://schemas.microsoft.com/office/drawing/2014/main" id="{BE5E99D8-5CE2-5133-BA4A-CA9E286D6D08}"/>
-              </a:ext>
-            </a:extLst>
-          </p:cNvPr>
-          <p:cNvCxnSpPr>
-            <a:cxnSpLocks/>
-          </p:cNvCxnSpPr>
-          <p:nvPr/>
-        </p:nvCxnSpPr>
-        <p:spPr>
-          <a:xfrm flipH="1">
-            <a:off x="3739780" y="1277871"/>
-            <a:ext cx="834594" cy="342334"/>
           </a:xfrm>
           <a:prstGeom prst="straightConnector1">
             <a:avLst/>
@@ -3648,13 +3613,14 @@
           </p:cNvPr>
           <p:cNvCxnSpPr>
             <a:cxnSpLocks/>
+            <a:endCxn id="1036" idx="1"/>
           </p:cNvCxnSpPr>
           <p:nvPr/>
         </p:nvCxnSpPr>
         <p:spPr>
-          <a:xfrm flipV="1">
-            <a:off x="4056013" y="2217885"/>
-            <a:ext cx="2335166" cy="7458"/>
+          <a:xfrm>
+            <a:off x="3772448" y="2104067"/>
+            <a:ext cx="2850906" cy="1412113"/>
           </a:xfrm>
           <a:prstGeom prst="straightConnector1">
             <a:avLst/>
@@ -3695,7 +3661,7 @@
         </p:nvCxnSpPr>
         <p:spPr>
           <a:xfrm>
-            <a:off x="8347046" y="2206861"/>
+            <a:off x="8265880" y="3431038"/>
             <a:ext cx="2325672" cy="0"/>
           </a:xfrm>
           <a:prstGeom prst="straightConnector1">
@@ -3787,8 +3753,8 @@
         </p:nvSpPr>
         <p:spPr>
           <a:xfrm>
-            <a:off x="4476914" y="86578"/>
-            <a:ext cx="1442357" cy="418662"/>
+            <a:off x="640447" y="3550450"/>
+            <a:ext cx="727747" cy="303108"/>
           </a:xfrm>
           <a:prstGeom prst="rect">
             <a:avLst/>
@@ -3820,17 +3786,17 @@
             <a:pPr algn="ctr"/>
             <a:r>
               <a:rPr lang="en-US" sz="1400"/>
-              <a:t>MQ2</a:t>
-            </a:r>
-          </a:p>
-        </p:txBody>
-      </p:sp>
-      <p:sp>
-        <p:nvSpPr>
-          <p:cNvPr id="56" name="Rectangle 55">
-            <a:extLst>
-              <a:ext uri="{FF2B5EF4-FFF2-40B4-BE49-F238E27FC236}">
-                <a16:creationId xmlns:a16="http://schemas.microsoft.com/office/drawing/2014/main" id="{8DDF064F-B17B-B10D-0202-C3E9B47659EA}"/>
+              <a:t>MQ135</a:t>
+            </a:r>
+          </a:p>
+        </p:txBody>
+      </p:sp>
+      <p:sp>
+        <p:nvSpPr>
+          <p:cNvPr id="57" name="Rectangle 56">
+            <a:extLst>
+              <a:ext uri="{FF2B5EF4-FFF2-40B4-BE49-F238E27FC236}">
+                <a16:creationId xmlns:a16="http://schemas.microsoft.com/office/drawing/2014/main" id="{5005E9BD-CC61-17F7-235A-88B38A4E68B7}"/>
               </a:ext>
             </a:extLst>
           </p:cNvPr>
@@ -3839,8 +3805,8 @@
         </p:nvSpPr>
         <p:spPr>
           <a:xfrm>
-            <a:off x="199700" y="90000"/>
-            <a:ext cx="1201388" cy="312820"/>
+            <a:off x="300298" y="1450113"/>
+            <a:ext cx="766663" cy="179925"/>
           </a:xfrm>
           <a:prstGeom prst="rect">
             <a:avLst/>
@@ -3872,17 +3838,17 @@
             <a:pPr algn="ctr"/>
             <a:r>
               <a:rPr lang="en-US" sz="1400"/>
-              <a:t>PIR HC-SR505</a:t>
-            </a:r>
-          </a:p>
-        </p:txBody>
-      </p:sp>
-      <p:sp>
-        <p:nvSpPr>
-          <p:cNvPr id="57" name="Rectangle 56">
-            <a:extLst>
-              <a:ext uri="{FF2B5EF4-FFF2-40B4-BE49-F238E27FC236}">
-                <a16:creationId xmlns:a16="http://schemas.microsoft.com/office/drawing/2014/main" id="{5005E9BD-CC61-17F7-235A-88B38A4E68B7}"/>
+              <a:t>DHT11</a:t>
+            </a:r>
+          </a:p>
+        </p:txBody>
+      </p:sp>
+      <p:sp>
+        <p:nvSpPr>
+          <p:cNvPr id="58" name="Rectangle 57">
+            <a:extLst>
+              <a:ext uri="{FF2B5EF4-FFF2-40B4-BE49-F238E27FC236}">
+                <a16:creationId xmlns:a16="http://schemas.microsoft.com/office/drawing/2014/main" id="{09FDCC13-4DF0-1981-6A68-EDEDD61CC63F}"/>
               </a:ext>
             </a:extLst>
           </p:cNvPr>
@@ -3891,8 +3857,8 @@
         </p:nvSpPr>
         <p:spPr>
           <a:xfrm>
-            <a:off x="417062" y="2170751"/>
-            <a:ext cx="766663" cy="179925"/>
+            <a:off x="5323323" y="5857254"/>
+            <a:ext cx="819408" cy="211591"/>
           </a:xfrm>
           <a:prstGeom prst="rect">
             <a:avLst/>
@@ -3924,17 +3890,17 @@
             <a:pPr algn="ctr"/>
             <a:r>
               <a:rPr lang="en-US" sz="1400"/>
-              <a:t>DHT11</a:t>
-            </a:r>
-          </a:p>
-        </p:txBody>
-      </p:sp>
-      <p:sp>
-        <p:nvSpPr>
-          <p:cNvPr id="58" name="Rectangle 57">
-            <a:extLst>
-              <a:ext uri="{FF2B5EF4-FFF2-40B4-BE49-F238E27FC236}">
-                <a16:creationId xmlns:a16="http://schemas.microsoft.com/office/drawing/2014/main" id="{09FDCC13-4DF0-1981-6A68-EDEDD61CC63F}"/>
+              <a:t>Relay 5V 4 kênh</a:t>
+            </a:r>
+          </a:p>
+        </p:txBody>
+      </p:sp>
+      <p:sp>
+        <p:nvSpPr>
+          <p:cNvPr id="59" name="Rectangle 58">
+            <a:extLst>
+              <a:ext uri="{FF2B5EF4-FFF2-40B4-BE49-F238E27FC236}">
+                <a16:creationId xmlns:a16="http://schemas.microsoft.com/office/drawing/2014/main" id="{DE4C9737-694F-8A0D-0195-92B0324D683B}"/>
               </a:ext>
             </a:extLst>
           </p:cNvPr>
@@ -3943,8 +3909,8 @@
         </p:nvSpPr>
         <p:spPr>
           <a:xfrm>
-            <a:off x="5335882" y="5131728"/>
-            <a:ext cx="819408" cy="211591"/>
+            <a:off x="7860227" y="5070106"/>
+            <a:ext cx="1569105" cy="175526"/>
           </a:xfrm>
           <a:prstGeom prst="rect">
             <a:avLst/>
@@ -3976,17 +3942,17 @@
             <a:pPr algn="ctr"/>
             <a:r>
               <a:rPr lang="en-US" sz="1400"/>
-              <a:t>Relay 5V 4 kênh</a:t>
-            </a:r>
-          </a:p>
-        </p:txBody>
-      </p:sp>
-      <p:sp>
-        <p:nvSpPr>
-          <p:cNvPr id="59" name="Rectangle 58">
-            <a:extLst>
-              <a:ext uri="{FF2B5EF4-FFF2-40B4-BE49-F238E27FC236}">
-                <a16:creationId xmlns:a16="http://schemas.microsoft.com/office/drawing/2014/main" id="{DE4C9737-694F-8A0D-0195-92B0324D683B}"/>
+              <a:t>Quạt phòng khách</a:t>
+            </a:r>
+          </a:p>
+        </p:txBody>
+      </p:sp>
+      <p:sp>
+        <p:nvSpPr>
+          <p:cNvPr id="60" name="Rectangle 59">
+            <a:extLst>
+              <a:ext uri="{FF2B5EF4-FFF2-40B4-BE49-F238E27FC236}">
+                <a16:creationId xmlns:a16="http://schemas.microsoft.com/office/drawing/2014/main" id="{E3BF1262-9344-3297-6925-0E6EEA9CD5D9}"/>
               </a:ext>
             </a:extLst>
           </p:cNvPr>
@@ -3995,8 +3961,8 @@
         </p:nvSpPr>
         <p:spPr>
           <a:xfrm>
-            <a:off x="7424601" y="3912031"/>
-            <a:ext cx="1569105" cy="175526"/>
+            <a:off x="7885916" y="4584280"/>
+            <a:ext cx="1467236" cy="175526"/>
           </a:xfrm>
           <a:prstGeom prst="rect">
             <a:avLst/>
@@ -4028,17 +3994,17 @@
             <a:pPr algn="ctr"/>
             <a:r>
               <a:rPr lang="en-US" sz="1400"/>
-              <a:t>Quạt phòng khách</a:t>
-            </a:r>
-          </a:p>
-        </p:txBody>
-      </p:sp>
-      <p:sp>
-        <p:nvSpPr>
-          <p:cNvPr id="60" name="Rectangle 59">
-            <a:extLst>
-              <a:ext uri="{FF2B5EF4-FFF2-40B4-BE49-F238E27FC236}">
-                <a16:creationId xmlns:a16="http://schemas.microsoft.com/office/drawing/2014/main" id="{E3BF1262-9344-3297-6925-0E6EEA9CD5D9}"/>
+              <a:t>Đèn phòng khách</a:t>
+            </a:r>
+          </a:p>
+        </p:txBody>
+      </p:sp>
+      <p:sp>
+        <p:nvSpPr>
+          <p:cNvPr id="62" name="Rectangle 61">
+            <a:extLst>
+              <a:ext uri="{FF2B5EF4-FFF2-40B4-BE49-F238E27FC236}">
+                <a16:creationId xmlns:a16="http://schemas.microsoft.com/office/drawing/2014/main" id="{B613BE27-EA7D-940B-AA76-A4A133C6FA2E}"/>
               </a:ext>
             </a:extLst>
           </p:cNvPr>
@@ -4047,8 +4013,8 @@
         </p:nvSpPr>
         <p:spPr>
           <a:xfrm>
-            <a:off x="7450290" y="3426205"/>
-            <a:ext cx="1467236" cy="175526"/>
+            <a:off x="6867091" y="2544401"/>
+            <a:ext cx="961172" cy="247813"/>
           </a:xfrm>
           <a:prstGeom prst="rect">
             <a:avLst/>
@@ -4080,58 +4046,6 @@
             <a:pPr algn="ctr"/>
             <a:r>
               <a:rPr lang="en-US" sz="1400"/>
-              <a:t>Đèn phòng khách</a:t>
-            </a:r>
-          </a:p>
-        </p:txBody>
-      </p:sp>
-      <p:sp>
-        <p:nvSpPr>
-          <p:cNvPr id="62" name="Rectangle 61">
-            <a:extLst>
-              <a:ext uri="{FF2B5EF4-FFF2-40B4-BE49-F238E27FC236}">
-                <a16:creationId xmlns:a16="http://schemas.microsoft.com/office/drawing/2014/main" id="{B613BE27-EA7D-940B-AA76-A4A133C6FA2E}"/>
-              </a:ext>
-            </a:extLst>
-          </p:cNvPr>
-          <p:cNvSpPr/>
-          <p:nvPr/>
-        </p:nvSpPr>
-        <p:spPr>
-          <a:xfrm>
-            <a:off x="6948257" y="1320224"/>
-            <a:ext cx="961172" cy="247813"/>
-          </a:xfrm>
-          <a:prstGeom prst="rect">
-            <a:avLst/>
-          </a:prstGeom>
-          <a:ln>
-            <a:solidFill>
-              <a:schemeClr val="bg1"/>
-            </a:solidFill>
-          </a:ln>
-        </p:spPr>
-        <p:style>
-          <a:lnRef idx="2">
-            <a:schemeClr val="dk1"/>
-          </a:lnRef>
-          <a:fillRef idx="1">
-            <a:schemeClr val="lt1"/>
-          </a:fillRef>
-          <a:effectRef idx="0">
-            <a:schemeClr val="dk1"/>
-          </a:effectRef>
-          <a:fontRef idx="minor">
-            <a:schemeClr val="dk1"/>
-          </a:fontRef>
-        </p:style>
-        <p:txBody>
-          <a:bodyPr rtlCol="0" anchor="ctr"/>
-          <a:lstStyle/>
-          <a:p>
-            <a:pPr algn="ctr"/>
-            <a:r>
-              <a:rPr lang="en-US" sz="1400"/>
               <a:t>Server</a:t>
             </a:r>
           </a:p>
@@ -4152,7 +4066,7 @@
           <p:nvPr/>
         </p:nvPicPr>
         <p:blipFill>
-          <a:blip r:embed="rId6"/>
+          <a:blip r:embed="rId7"/>
           <a:stretch>
             <a:fillRect/>
           </a:stretch>
@@ -4182,7 +4096,7 @@
           <p:nvPr/>
         </p:nvPicPr>
         <p:blipFill>
-          <a:blip r:embed="rId6"/>
+          <a:blip r:embed="rId7"/>
           <a:stretch>
             <a:fillRect/>
           </a:stretch>
@@ -4254,8 +4168,8 @@
         </p:nvCxnSpPr>
         <p:spPr>
           <a:xfrm flipH="1">
-            <a:off x="3168598" y="912981"/>
-            <a:ext cx="370074" cy="393773"/>
+            <a:off x="3154777" y="912981"/>
+            <a:ext cx="383895" cy="539881"/>
           </a:xfrm>
           <a:prstGeom prst="straightConnector1">
             <a:avLst/>
@@ -4333,7 +4247,7 @@
             <a:pPr algn="ctr"/>
             <a:r>
               <a:rPr lang="en-US" sz="1400"/>
-              <a:t>Phòng khách</a:t>
+              <a:t>Phòng ngủ</a:t>
             </a:r>
           </a:p>
         </p:txBody>
@@ -4392,17 +4306,17 @@
             <a:pPr algn="ctr"/>
             <a:r>
               <a:rPr lang="en-US" sz="1400"/>
-              <a:t>Phòng khách</a:t>
+              <a:t>Phòng ngủ</a:t>
             </a:r>
           </a:p>
         </p:txBody>
       </p:sp>
       <p:pic>
         <p:nvPicPr>
-          <p:cNvPr id="1026" name="Picture 2" descr="Cảm biến Khí Gas LPG CO MQ2">
-            <a:extLst>
-              <a:ext uri="{FF2B5EF4-FFF2-40B4-BE49-F238E27FC236}">
-                <a16:creationId xmlns:a16="http://schemas.microsoft.com/office/drawing/2014/main" id="{149D81B1-244B-1CE9-14DF-B0246DBA9F8E}"/>
+          <p:cNvPr id="29" name="Picture 4" descr="Còi buzz thụ động 5V - Nshop">
+            <a:extLst>
+              <a:ext uri="{FF2B5EF4-FFF2-40B4-BE49-F238E27FC236}">
+                <a16:creationId xmlns:a16="http://schemas.microsoft.com/office/drawing/2014/main" id="{F3580D12-DDE5-C38D-D0C4-737E3AB4774A}"/>
               </a:ext>
             </a:extLst>
           </p:cNvPr>
@@ -4412,7 +4326,7 @@
           <p:nvPr/>
         </p:nvPicPr>
         <p:blipFill>
-          <a:blip r:embed="rId7">
+          <a:blip r:embed="rId8">
             <a:extLst>
               <a:ext uri="{28A0092B-C50C-407E-A947-70E740481C1C}">
                 <a14:useLocalDpi xmlns:a14="http://schemas.microsoft.com/office/drawing/2010/main" val="0"/>
@@ -4426,8 +4340,8 @@
         </p:blipFill>
         <p:spPr bwMode="auto">
           <a:xfrm>
-            <a:off x="4709676" y="505240"/>
-            <a:ext cx="940014" cy="940014"/>
+            <a:off x="413329" y="4795487"/>
+            <a:ext cx="522202" cy="522202"/>
           </a:xfrm>
           <a:prstGeom prst="rect">
             <a:avLst/>
@@ -4446,10 +4360,10 @@
       </p:pic>
       <p:pic>
         <p:nvPicPr>
-          <p:cNvPr id="29" name="Picture 4" descr="Còi buzz thụ động 5V - Nshop">
-            <a:extLst>
-              <a:ext uri="{FF2B5EF4-FFF2-40B4-BE49-F238E27FC236}">
-                <a16:creationId xmlns:a16="http://schemas.microsoft.com/office/drawing/2014/main" id="{F3580D12-DDE5-C38D-D0C4-737E3AB4774A}"/>
+          <p:cNvPr id="1026" name="Picture 2" descr="Cảm biến Khí Gas LPG CO MQ2">
+            <a:extLst>
+              <a:ext uri="{FF2B5EF4-FFF2-40B4-BE49-F238E27FC236}">
+                <a16:creationId xmlns:a16="http://schemas.microsoft.com/office/drawing/2014/main" id="{149D81B1-244B-1CE9-14DF-B0246DBA9F8E}"/>
               </a:ext>
             </a:extLst>
           </p:cNvPr>
@@ -4459,7 +4373,7 @@
           <p:nvPr/>
         </p:nvPicPr>
         <p:blipFill>
-          <a:blip r:embed="rId8">
+          <a:blip r:embed="rId9">
             <a:extLst>
               <a:ext uri="{28A0092B-C50C-407E-A947-70E740481C1C}">
                 <a14:useLocalDpi xmlns:a14="http://schemas.microsoft.com/office/drawing/2010/main" val="0"/>
@@ -4473,8 +4387,8 @@
         </p:blipFill>
         <p:spPr bwMode="auto">
           <a:xfrm>
-            <a:off x="507465" y="2706597"/>
-            <a:ext cx="522202" cy="522202"/>
+            <a:off x="406507" y="3770529"/>
+            <a:ext cx="940014" cy="940014"/>
           </a:xfrm>
           <a:prstGeom prst="rect">
             <a:avLst/>
@@ -4505,7 +4419,7 @@
         </p:nvSpPr>
         <p:spPr>
           <a:xfrm>
-            <a:off x="345966" y="3313105"/>
+            <a:off x="1277" y="5413166"/>
             <a:ext cx="819408" cy="211591"/>
           </a:xfrm>
           <a:prstGeom prst="rect">
@@ -4559,8 +4473,8 @@
         </p:nvCxnSpPr>
         <p:spPr>
           <a:xfrm flipH="1">
-            <a:off x="1183725" y="2124347"/>
-            <a:ext cx="1120866" cy="718113"/>
+            <a:off x="978699" y="5056588"/>
+            <a:ext cx="1004395" cy="0"/>
           </a:xfrm>
           <a:prstGeom prst="straightConnector1">
             <a:avLst/>
@@ -4586,10 +4500,10 @@
       </p:cxnSp>
       <p:pic>
         <p:nvPicPr>
-          <p:cNvPr id="35" name="Picture 6" descr="Cảm biến thân nhiệt chuyển động PIR HC-SR505 Mini">
-            <a:extLst>
-              <a:ext uri="{FF2B5EF4-FFF2-40B4-BE49-F238E27FC236}">
-                <a16:creationId xmlns:a16="http://schemas.microsoft.com/office/drawing/2014/main" id="{75795BAA-711A-857B-3B99-FC391505E8DE}"/>
+          <p:cNvPr id="2" name="Picture 2" descr="esp32 2.4 gam không dây soc esp32-wroom-32 tốc độ cao bluetooth wifi  module| Alibaba.com">
+            <a:extLst>
+              <a:ext uri="{FF2B5EF4-FFF2-40B4-BE49-F238E27FC236}">
+                <a16:creationId xmlns:a16="http://schemas.microsoft.com/office/drawing/2014/main" id="{FE74095E-0249-06C6-E3BA-849ACBE5AF86}"/>
               </a:ext>
             </a:extLst>
           </p:cNvPr>
@@ -4599,7 +4513,7 @@
           <p:nvPr/>
         </p:nvPicPr>
         <p:blipFill>
-          <a:blip r:embed="rId9">
+          <a:blip r:embed="rId10">
             <a:extLst>
               <a:ext uri="{28A0092B-C50C-407E-A947-70E740481C1C}">
                 <a14:useLocalDpi xmlns:a14="http://schemas.microsoft.com/office/drawing/2010/main" val="0"/>
@@ -4613,8 +4527,8 @@
         </p:blipFill>
         <p:spPr bwMode="auto">
           <a:xfrm>
-            <a:off x="339604" y="357015"/>
-            <a:ext cx="884024" cy="884024"/>
+            <a:off x="2047870" y="4365486"/>
+            <a:ext cx="1640952" cy="1640952"/>
           </a:xfrm>
           <a:prstGeom prst="rect">
             <a:avLst/>
@@ -4633,53 +4547,6 @@
       </p:pic>
       <p:pic>
         <p:nvPicPr>
-          <p:cNvPr id="2" name="Picture 2" descr="esp32 2.4 gam không dây soc esp32-wroom-32 tốc độ cao bluetooth wifi  module| Alibaba.com">
-            <a:extLst>
-              <a:ext uri="{FF2B5EF4-FFF2-40B4-BE49-F238E27FC236}">
-                <a16:creationId xmlns:a16="http://schemas.microsoft.com/office/drawing/2014/main" id="{FE74095E-0249-06C6-E3BA-849ACBE5AF86}"/>
-              </a:ext>
-            </a:extLst>
-          </p:cNvPr>
-          <p:cNvPicPr>
-            <a:picLocks noChangeAspect="1" noChangeArrowheads="1"/>
-          </p:cNvPicPr>
-          <p:nvPr/>
-        </p:nvPicPr>
-        <p:blipFill>
-          <a:blip r:embed="rId10">
-            <a:extLst>
-              <a:ext uri="{28A0092B-C50C-407E-A947-70E740481C1C}">
-                <a14:useLocalDpi xmlns:a14="http://schemas.microsoft.com/office/drawing/2010/main" val="0"/>
-              </a:ext>
-            </a:extLst>
-          </a:blip>
-          <a:srcRect/>
-          <a:stretch>
-            <a:fillRect/>
-          </a:stretch>
-        </p:blipFill>
-        <p:spPr bwMode="auto">
-          <a:xfrm>
-            <a:off x="2047870" y="4365486"/>
-            <a:ext cx="1640952" cy="1640952"/>
-          </a:xfrm>
-          <a:prstGeom prst="rect">
-            <a:avLst/>
-          </a:prstGeom>
-          <a:noFill/>
-          <a:extLst>
-            <a:ext uri="{909E8E84-426E-40DD-AFC4-6F175D3DCCD1}">
-              <a14:hiddenFill xmlns:a14="http://schemas.microsoft.com/office/drawing/2010/main">
-                <a:solidFill>
-                  <a:srgbClr val="FFFFFF"/>
-                </a:solidFill>
-              </a14:hiddenFill>
-            </a:ext>
-          </a:extLst>
-        </p:spPr>
-      </p:pic>
-      <p:pic>
-        <p:nvPicPr>
           <p:cNvPr id="13" name="Picture 12">
             <a:extLst>
               <a:ext uri="{FF2B5EF4-FFF2-40B4-BE49-F238E27FC236}">
@@ -4693,14 +4560,14 @@
           <p:nvPr/>
         </p:nvPicPr>
         <p:blipFill>
-          <a:blip r:embed="rId6"/>
+          <a:blip r:embed="rId7"/>
           <a:stretch>
             <a:fillRect/>
           </a:stretch>
         </p:blipFill>
         <p:spPr>
           <a:xfrm>
-            <a:off x="417062" y="5603179"/>
+            <a:off x="1916409" y="6357019"/>
             <a:ext cx="513442" cy="504849"/>
           </a:xfrm>
           <a:prstGeom prst="rect">
@@ -4723,14 +4590,14 @@
           <p:nvPr/>
         </p:nvPicPr>
         <p:blipFill>
-          <a:blip r:embed="rId6"/>
+          <a:blip r:embed="rId7"/>
           <a:stretch>
             <a:fillRect/>
           </a:stretch>
         </p:blipFill>
         <p:spPr>
           <a:xfrm>
-            <a:off x="417355" y="4294564"/>
+            <a:off x="465257" y="5845816"/>
             <a:ext cx="513442" cy="504849"/>
           </a:xfrm>
           <a:prstGeom prst="rect">
@@ -4752,7 +4619,7 @@
         </p:nvSpPr>
         <p:spPr>
           <a:xfrm>
-            <a:off x="0" y="4847798"/>
+            <a:off x="800" y="6354636"/>
             <a:ext cx="1442357" cy="469891"/>
           </a:xfrm>
           <a:prstGeom prst="rect">
@@ -4792,7 +4659,7 @@
             <a:pPr algn="ctr"/>
             <a:r>
               <a:rPr lang="en-US" sz="1400"/>
-              <a:t>Phòng ngủ</a:t>
+              <a:t>Phòng khách</a:t>
             </a:r>
           </a:p>
         </p:txBody>
@@ -4811,7 +4678,7 @@
         </p:nvSpPr>
         <p:spPr>
           <a:xfrm>
-            <a:off x="60437" y="6310152"/>
+            <a:off x="2510020" y="6391977"/>
             <a:ext cx="1442357" cy="469891"/>
           </a:xfrm>
           <a:prstGeom prst="rect">
@@ -4851,7 +4718,7 @@
             <a:pPr algn="ctr"/>
             <a:r>
               <a:rPr lang="en-US" sz="1400"/>
-              <a:t>Phòng ngủ</a:t>
+              <a:t>Phòng khách</a:t>
             </a:r>
           </a:p>
           <a:p>
@@ -4875,7 +4742,7 @@
           <p:nvPr/>
         </p:nvPicPr>
         <p:blipFill>
-          <a:blip r:embed="rId5">
+          <a:blip r:embed="rId6">
             <a:extLst>
               <a:ext uri="{28A0092B-C50C-407E-A947-70E740481C1C}">
                 <a14:useLocalDpi xmlns:a14="http://schemas.microsoft.com/office/drawing/2010/main" val="0"/>
@@ -4889,7 +4756,7 @@
         </p:blipFill>
         <p:spPr bwMode="auto">
           <a:xfrm>
-            <a:off x="4840955" y="5434742"/>
+            <a:off x="5374770" y="690036"/>
             <a:ext cx="1225198" cy="1225198"/>
           </a:xfrm>
           <a:prstGeom prst="rect">
@@ -4921,7 +4788,7 @@
         </p:nvSpPr>
         <p:spPr>
           <a:xfrm>
-            <a:off x="2521129" y="5839223"/>
+            <a:off x="2853055" y="5857255"/>
             <a:ext cx="819408" cy="211591"/>
           </a:xfrm>
           <a:prstGeom prst="rect">
@@ -4988,7 +4855,7 @@
         </p:blipFill>
         <p:spPr bwMode="auto">
           <a:xfrm>
-            <a:off x="1734490" y="2557027"/>
+            <a:off x="428386" y="1984985"/>
             <a:ext cx="956983" cy="956983"/>
           </a:xfrm>
           <a:prstGeom prst="rect">
@@ -5035,7 +4902,7 @@
         </p:blipFill>
         <p:spPr bwMode="auto">
           <a:xfrm>
-            <a:off x="2437984" y="3387934"/>
+            <a:off x="1825312" y="3262082"/>
             <a:ext cx="956982" cy="956982"/>
           </a:xfrm>
           <a:prstGeom prst="rect">
@@ -5082,7 +4949,7 @@
         </p:blipFill>
         <p:spPr bwMode="auto">
           <a:xfrm>
-            <a:off x="4709676" y="1830266"/>
+            <a:off x="4808490" y="2267140"/>
             <a:ext cx="422488" cy="361989"/>
           </a:xfrm>
           <a:prstGeom prst="rect">
@@ -5111,13 +4978,14 @@
           </p:cNvPr>
           <p:cNvCxnSpPr>
             <a:cxnSpLocks/>
+            <a:endCxn id="1036" idx="1"/>
           </p:cNvCxnSpPr>
           <p:nvPr/>
         </p:nvCxnSpPr>
         <p:spPr>
           <a:xfrm flipV="1">
-            <a:off x="3578918" y="2577267"/>
-            <a:ext cx="2951701" cy="2116350"/>
+            <a:off x="3578918" y="3516180"/>
+            <a:ext cx="3044436" cy="1177437"/>
           </a:xfrm>
           <a:prstGeom prst="straightConnector1">
             <a:avLst/>
@@ -5153,13 +5021,14 @@
           </p:cNvPr>
           <p:cNvCxnSpPr>
             <a:cxnSpLocks/>
+            <a:endCxn id="20" idx="1"/>
           </p:cNvCxnSpPr>
           <p:nvPr/>
         </p:nvCxnSpPr>
         <p:spPr>
-          <a:xfrm flipH="1">
-            <a:off x="2403741" y="2311602"/>
-            <a:ext cx="291675" cy="322948"/>
+          <a:xfrm flipV="1">
+            <a:off x="3789138" y="1302635"/>
+            <a:ext cx="1585632" cy="404217"/>
           </a:xfrm>
           <a:prstGeom prst="straightConnector1">
             <a:avLst/>
@@ -5197,7 +5066,7 @@
         </p:nvSpPr>
         <p:spPr>
           <a:xfrm>
-            <a:off x="2579096" y="3108137"/>
+            <a:off x="1419107" y="2821753"/>
             <a:ext cx="956982" cy="213578"/>
           </a:xfrm>
           <a:prstGeom prst="rect">
@@ -5250,9 +5119,9 @@
           <p:nvPr/>
         </p:nvCxnSpPr>
         <p:spPr>
-          <a:xfrm>
-            <a:off x="1223628" y="4587051"/>
-            <a:ext cx="913052" cy="360506"/>
+          <a:xfrm flipV="1">
+            <a:off x="1045577" y="5407887"/>
+            <a:ext cx="1031855" cy="471859"/>
           </a:xfrm>
           <a:prstGeom prst="straightConnector1">
             <a:avLst/>
@@ -5292,8 +5161,8 @@
         </p:nvCxnSpPr>
         <p:spPr>
           <a:xfrm flipV="1">
-            <a:off x="1257632" y="5434742"/>
-            <a:ext cx="1000508" cy="420861"/>
+            <a:off x="2317065" y="5757506"/>
+            <a:ext cx="232513" cy="429594"/>
           </a:xfrm>
           <a:prstGeom prst="straightConnector1">
             <a:avLst/>
@@ -5328,14 +5197,13 @@
           </p:cNvPr>
           <p:cNvCxnSpPr>
             <a:cxnSpLocks/>
-            <a:stCxn id="26" idx="2"/>
           </p:cNvCxnSpPr>
           <p:nvPr/>
         </p:nvCxnSpPr>
         <p:spPr>
-          <a:xfrm flipH="1">
-            <a:off x="2868346" y="4344916"/>
-            <a:ext cx="48129" cy="348701"/>
+          <a:xfrm>
+            <a:off x="2492078" y="4216938"/>
+            <a:ext cx="129611" cy="387665"/>
           </a:xfrm>
           <a:prstGeom prst="straightConnector1">
             <a:avLst/>
@@ -5370,13 +5238,15 @@
           </p:cNvPr>
           <p:cNvCxnSpPr>
             <a:cxnSpLocks/>
+            <a:stCxn id="25" idx="3"/>
+            <a:endCxn id="1028" idx="1"/>
           </p:cNvCxnSpPr>
           <p:nvPr/>
         </p:nvCxnSpPr>
         <p:spPr>
-          <a:xfrm>
-            <a:off x="3651687" y="5434742"/>
-            <a:ext cx="1011191" cy="716279"/>
+          <a:xfrm flipV="1">
+            <a:off x="1385369" y="1919885"/>
+            <a:ext cx="882253" cy="543592"/>
           </a:xfrm>
           <a:prstGeom prst="straightConnector1">
             <a:avLst/>
@@ -5411,13 +5281,14 @@
           </p:cNvPr>
           <p:cNvCxnSpPr>
             <a:cxnSpLocks/>
+            <a:stCxn id="2" idx="3"/>
           </p:cNvCxnSpPr>
           <p:nvPr/>
         </p:nvCxnSpPr>
         <p:spPr>
-          <a:xfrm flipV="1">
-            <a:off x="3739780" y="4947557"/>
-            <a:ext cx="983503" cy="305523"/>
+          <a:xfrm>
+            <a:off x="3688822" y="5185962"/>
+            <a:ext cx="1112339" cy="36723"/>
           </a:xfrm>
           <a:prstGeom prst="straightConnector1">
             <a:avLst/>
@@ -5470,7 +5341,7 @@
         </p:blipFill>
         <p:spPr bwMode="auto">
           <a:xfrm>
-            <a:off x="4806690" y="3101284"/>
+            <a:off x="4763920" y="3705013"/>
             <a:ext cx="422488" cy="361989"/>
           </a:xfrm>
           <a:prstGeom prst="rect">
@@ -5517,7 +5388,7 @@
         </p:blipFill>
         <p:spPr bwMode="auto">
           <a:xfrm>
-            <a:off x="10703488" y="1361681"/>
+            <a:off x="10622322" y="2585858"/>
             <a:ext cx="1488512" cy="1488512"/>
           </a:xfrm>
           <a:prstGeom prst="rect">
@@ -5549,7 +5420,7 @@
         </p:nvSpPr>
         <p:spPr>
           <a:xfrm>
-            <a:off x="10942569" y="1383559"/>
+            <a:off x="10861403" y="2607736"/>
             <a:ext cx="961172" cy="247813"/>
           </a:xfrm>
           <a:prstGeom prst="rect">
@@ -5598,13 +5469,14 @@
           </p:cNvPr>
           <p:cNvCxnSpPr>
             <a:cxnSpLocks/>
+            <a:stCxn id="1040" idx="3"/>
           </p:cNvCxnSpPr>
           <p:nvPr/>
         </p:nvCxnSpPr>
         <p:spPr>
           <a:xfrm flipV="1">
-            <a:off x="5888775" y="3573357"/>
-            <a:ext cx="838976" cy="667179"/>
+            <a:off x="6200362" y="4731432"/>
+            <a:ext cx="963015" cy="476951"/>
           </a:xfrm>
           <a:prstGeom prst="straightConnector1">
             <a:avLst/>
@@ -5639,13 +5511,14 @@
           </p:cNvPr>
           <p:cNvCxnSpPr>
             <a:cxnSpLocks/>
+            <a:stCxn id="1040" idx="3"/>
           </p:cNvCxnSpPr>
           <p:nvPr/>
         </p:nvCxnSpPr>
         <p:spPr>
-          <a:xfrm flipV="1">
-            <a:off x="5861307" y="4157704"/>
-            <a:ext cx="827019" cy="268142"/>
+          <a:xfrm>
+            <a:off x="6200362" y="5208383"/>
+            <a:ext cx="923590" cy="107396"/>
           </a:xfrm>
           <a:prstGeom prst="straightConnector1">
             <a:avLst/>
@@ -5680,13 +5553,14 @@
           </p:cNvPr>
           <p:cNvCxnSpPr>
             <a:cxnSpLocks/>
+            <a:stCxn id="1040" idx="3"/>
           </p:cNvCxnSpPr>
           <p:nvPr/>
         </p:nvCxnSpPr>
         <p:spPr>
           <a:xfrm>
-            <a:off x="6056425" y="4870750"/>
-            <a:ext cx="743589" cy="385600"/>
+            <a:off x="6200362" y="5208383"/>
+            <a:ext cx="1035278" cy="1206042"/>
           </a:xfrm>
           <a:prstGeom prst="straightConnector1">
             <a:avLst/>
@@ -5721,13 +5595,14 @@
           </p:cNvPr>
           <p:cNvCxnSpPr>
             <a:cxnSpLocks/>
+            <a:stCxn id="1040" idx="3"/>
           </p:cNvCxnSpPr>
           <p:nvPr/>
         </p:nvCxnSpPr>
         <p:spPr>
           <a:xfrm>
-            <a:off x="6056425" y="4659339"/>
-            <a:ext cx="669508" cy="71552"/>
+            <a:off x="6200362" y="5208383"/>
+            <a:ext cx="961197" cy="680583"/>
           </a:xfrm>
           <a:prstGeom prst="straightConnector1">
             <a:avLst/>
@@ -5762,13 +5637,14 @@
           </p:cNvPr>
           <p:cNvCxnSpPr>
             <a:cxnSpLocks/>
+            <a:stCxn id="20" idx="3"/>
           </p:cNvCxnSpPr>
           <p:nvPr/>
         </p:nvCxnSpPr>
         <p:spPr>
-          <a:xfrm>
-            <a:off x="6168801" y="6006438"/>
-            <a:ext cx="616534" cy="0"/>
+          <a:xfrm flipV="1">
+            <a:off x="6599968" y="1237316"/>
+            <a:ext cx="833693" cy="65319"/>
           </a:xfrm>
           <a:prstGeom prst="straightConnector1">
             <a:avLst/>
@@ -5803,13 +5679,14 @@
           </p:cNvPr>
           <p:cNvCxnSpPr>
             <a:cxnSpLocks/>
+            <a:stCxn id="20" idx="3"/>
           </p:cNvCxnSpPr>
           <p:nvPr/>
         </p:nvCxnSpPr>
         <p:spPr>
           <a:xfrm>
-            <a:off x="6125849" y="6215216"/>
-            <a:ext cx="701395" cy="232265"/>
+            <a:off x="6599968" y="1302635"/>
+            <a:ext cx="875602" cy="375724"/>
           </a:xfrm>
           <a:prstGeom prst="straightConnector1">
             <a:avLst/>
@@ -5847,7 +5724,7 @@
         </p:nvSpPr>
         <p:spPr>
           <a:xfrm>
-            <a:off x="7471455" y="5173357"/>
+            <a:off x="8051824" y="1676940"/>
             <a:ext cx="1569105" cy="175526"/>
           </a:xfrm>
           <a:prstGeom prst="rect">
@@ -5899,7 +5776,7 @@
         </p:nvSpPr>
         <p:spPr>
           <a:xfrm>
-            <a:off x="7497144" y="4687531"/>
+            <a:off x="8106252" y="1163790"/>
             <a:ext cx="1467236" cy="175526"/>
           </a:xfrm>
           <a:prstGeom prst="rect">
@@ -5951,7 +5828,7 @@
         </p:nvSpPr>
         <p:spPr>
           <a:xfrm>
-            <a:off x="7475713" y="6448877"/>
+            <a:off x="7844034" y="6395598"/>
             <a:ext cx="1569105" cy="175526"/>
           </a:xfrm>
           <a:prstGeom prst="rect">
@@ -6003,7 +5880,7 @@
         </p:nvSpPr>
         <p:spPr>
           <a:xfrm>
-            <a:off x="7501402" y="5963051"/>
+            <a:off x="7916227" y="5729651"/>
             <a:ext cx="1467236" cy="175526"/>
           </a:xfrm>
           <a:prstGeom prst="rect">
@@ -6070,7 +5947,7 @@
         </p:blipFill>
         <p:spPr bwMode="auto">
           <a:xfrm flipH="1">
-            <a:off x="6850348" y="3244132"/>
+            <a:off x="7285974" y="4402207"/>
             <a:ext cx="497863" cy="497863"/>
           </a:xfrm>
           <a:prstGeom prst="rect">
@@ -6117,7 +5994,7 @@
         </p:blipFill>
         <p:spPr bwMode="auto">
           <a:xfrm flipH="1">
-            <a:off x="6844810" y="4481959"/>
+            <a:off x="7280436" y="5640034"/>
             <a:ext cx="497863" cy="497863"/>
           </a:xfrm>
           <a:prstGeom prst="rect">
@@ -6137,10 +6014,10 @@
       </p:pic>
       <p:pic>
         <p:nvPicPr>
-          <p:cNvPr id="5" name="Picture 4" descr="XD10-3 Đèn Báo 10mm 12V Nối Dây Màu Vàng">
-            <a:extLst>
-              <a:ext uri="{FF2B5EF4-FFF2-40B4-BE49-F238E27FC236}">
-                <a16:creationId xmlns:a16="http://schemas.microsoft.com/office/drawing/2014/main" id="{7D1C8FBB-896F-010F-2CC2-AEE6B902C704}"/>
+          <p:cNvPr id="8" name="Picture 4" descr="Quạt Tản Nhiệt 5V 30x30x15mm">
+            <a:extLst>
+              <a:ext uri="{FF2B5EF4-FFF2-40B4-BE49-F238E27FC236}">
+                <a16:creationId xmlns:a16="http://schemas.microsoft.com/office/drawing/2014/main" id="{08AD507F-9CBF-DB1B-AEE7-513AA9B2F5F3}"/>
               </a:ext>
             </a:extLst>
           </p:cNvPr>
@@ -6150,7 +6027,7 @@
           <p:nvPr/>
         </p:nvPicPr>
         <p:blipFill>
-          <a:blip r:embed="rId14">
+          <a:blip r:embed="rId15">
             <a:extLst>
               <a:ext uri="{28A0092B-C50C-407E-A947-70E740481C1C}">
                 <a14:useLocalDpi xmlns:a14="http://schemas.microsoft.com/office/drawing/2010/main" val="0"/>
@@ -6163,9 +6040,9 @@
           </a:stretch>
         </p:blipFill>
         <p:spPr bwMode="auto">
-          <a:xfrm flipH="1">
-            <a:off x="6881041" y="5757506"/>
-            <a:ext cx="497863" cy="497863"/>
+          <a:xfrm>
+            <a:off x="7190845" y="4877931"/>
+            <a:ext cx="664878" cy="664878"/>
           </a:xfrm>
           <a:prstGeom prst="rect">
             <a:avLst/>
@@ -6184,10 +6061,10 @@
       </p:pic>
       <p:pic>
         <p:nvPicPr>
-          <p:cNvPr id="8" name="Picture 4" descr="Quạt Tản Nhiệt 5V 30x30x15mm">
-            <a:extLst>
-              <a:ext uri="{FF2B5EF4-FFF2-40B4-BE49-F238E27FC236}">
-                <a16:creationId xmlns:a16="http://schemas.microsoft.com/office/drawing/2014/main" id="{08AD507F-9CBF-DB1B-AEE7-513AA9B2F5F3}"/>
+          <p:cNvPr id="11" name="Picture 4" descr="Quạt Tản Nhiệt 5V 30x30x15mm">
+            <a:extLst>
+              <a:ext uri="{FF2B5EF4-FFF2-40B4-BE49-F238E27FC236}">
+                <a16:creationId xmlns:a16="http://schemas.microsoft.com/office/drawing/2014/main" id="{67F8BC8C-FAEF-F66B-F44F-8AF2530E185D}"/>
               </a:ext>
             </a:extLst>
           </p:cNvPr>
@@ -6211,7 +6088,7 @@
         </p:blipFill>
         <p:spPr bwMode="auto">
           <a:xfrm>
-            <a:off x="6755219" y="3719856"/>
+            <a:off x="7242203" y="6168955"/>
             <a:ext cx="664878" cy="664878"/>
           </a:xfrm>
           <a:prstGeom prst="rect">
@@ -6231,10 +6108,10 @@
       </p:pic>
       <p:pic>
         <p:nvPicPr>
-          <p:cNvPr id="11" name="Picture 4" descr="Quạt Tản Nhiệt 5V 30x30x15mm">
-            <a:extLst>
-              <a:ext uri="{FF2B5EF4-FFF2-40B4-BE49-F238E27FC236}">
-                <a16:creationId xmlns:a16="http://schemas.microsoft.com/office/drawing/2014/main" id="{67F8BC8C-FAEF-F66B-F44F-8AF2530E185D}"/>
+          <p:cNvPr id="12" name="Picture 4" descr="Quạt Tản Nhiệt 5V 30x30x15mm">
+            <a:extLst>
+              <a:ext uri="{FF2B5EF4-FFF2-40B4-BE49-F238E27FC236}">
+                <a16:creationId xmlns:a16="http://schemas.microsoft.com/office/drawing/2014/main" id="{270A3DBD-8BE4-CFE7-1044-0FFD9C188BA1}"/>
               </a:ext>
             </a:extLst>
           </p:cNvPr>
@@ -6258,7 +6135,7 @@
         </p:blipFill>
         <p:spPr bwMode="auto">
           <a:xfrm>
-            <a:off x="6806577" y="5010880"/>
+            <a:off x="7475570" y="1413771"/>
             <a:ext cx="664878" cy="664878"/>
           </a:xfrm>
           <a:prstGeom prst="rect">
@@ -6276,12 +6153,105 @@
           </a:extLst>
         </p:spPr>
       </p:pic>
+      <p:cxnSp>
+        <p:nvCxnSpPr>
+          <p:cNvPr id="7" name="Straight Arrow Connector 6">
+            <a:extLst>
+              <a:ext uri="{FF2B5EF4-FFF2-40B4-BE49-F238E27FC236}">
+                <a16:creationId xmlns:a16="http://schemas.microsoft.com/office/drawing/2014/main" id="{10470582-7E99-E450-CC9B-6E84E29DFB0C}"/>
+              </a:ext>
+            </a:extLst>
+          </p:cNvPr>
+          <p:cNvCxnSpPr>
+            <a:cxnSpLocks/>
+          </p:cNvCxnSpPr>
+          <p:nvPr/>
+        </p:nvCxnSpPr>
+        <p:spPr>
+          <a:xfrm flipH="1" flipV="1">
+            <a:off x="3538672" y="5562515"/>
+            <a:ext cx="813535" cy="455854"/>
+          </a:xfrm>
+          <a:prstGeom prst="straightConnector1">
+            <a:avLst/>
+          </a:prstGeom>
+          <a:ln>
+            <a:tailEnd type="triangle"/>
+          </a:ln>
+        </p:spPr>
+        <p:style>
+          <a:lnRef idx="3">
+            <a:schemeClr val="accent2"/>
+          </a:lnRef>
+          <a:fillRef idx="0">
+            <a:schemeClr val="accent2"/>
+          </a:fillRef>
+          <a:effectRef idx="2">
+            <a:schemeClr val="accent2"/>
+          </a:effectRef>
+          <a:fontRef idx="minor">
+            <a:schemeClr val="tx1"/>
+          </a:fontRef>
+        </p:style>
+      </p:cxnSp>
+      <p:sp>
+        <p:nvSpPr>
+          <p:cNvPr id="56" name="Rectangle 55">
+            <a:extLst>
+              <a:ext uri="{FF2B5EF4-FFF2-40B4-BE49-F238E27FC236}">
+                <a16:creationId xmlns:a16="http://schemas.microsoft.com/office/drawing/2014/main" id="{8DDF064F-B17B-B10D-0202-C3E9B47659EA}"/>
+              </a:ext>
+            </a:extLst>
+          </p:cNvPr>
+          <p:cNvSpPr/>
+          <p:nvPr/>
+        </p:nvSpPr>
+        <p:spPr>
+          <a:xfrm>
+            <a:off x="3877196" y="6485670"/>
+            <a:ext cx="1138468" cy="254726"/>
+          </a:xfrm>
+          <a:prstGeom prst="rect">
+            <a:avLst/>
+          </a:prstGeom>
+          <a:ln>
+            <a:solidFill>
+              <a:schemeClr val="bg1"/>
+            </a:solidFill>
+          </a:ln>
+        </p:spPr>
+        <p:style>
+          <a:lnRef idx="2">
+            <a:schemeClr val="dk1"/>
+          </a:lnRef>
+          <a:fillRef idx="1">
+            <a:schemeClr val="lt1"/>
+          </a:fillRef>
+          <a:effectRef idx="0">
+            <a:schemeClr val="dk1"/>
+          </a:effectRef>
+          <a:fontRef idx="minor">
+            <a:schemeClr val="dk1"/>
+          </a:fontRef>
+        </p:style>
+        <p:txBody>
+          <a:bodyPr rtlCol="0" anchor="ctr"/>
+          <a:lstStyle/>
+          <a:p>
+            <a:pPr algn="ctr"/>
+            <a:r>
+              <a:rPr lang="en-US" sz="1400"/>
+              <a:t>PIR HC-SR505</a:t>
+            </a:r>
+          </a:p>
+        </p:txBody>
+      </p:sp>
       <p:pic>
         <p:nvPicPr>
-          <p:cNvPr id="12" name="Picture 4" descr="Quạt Tản Nhiệt 5V 30x30x15mm">
-            <a:extLst>
-              <a:ext uri="{FF2B5EF4-FFF2-40B4-BE49-F238E27FC236}">
-                <a16:creationId xmlns:a16="http://schemas.microsoft.com/office/drawing/2014/main" id="{270A3DBD-8BE4-CFE7-1044-0FFD9C188BA1}"/>
+          <p:cNvPr id="5" name="Picture 4" descr="XD10-3 Đèn Báo 10mm 12V Nối Dây Màu Vàng">
+            <a:extLst>
+              <a:ext uri="{FF2B5EF4-FFF2-40B4-BE49-F238E27FC236}">
+                <a16:creationId xmlns:a16="http://schemas.microsoft.com/office/drawing/2014/main" id="{7D1C8FBB-896F-010F-2CC2-AEE6B902C704}"/>
               </a:ext>
             </a:extLst>
           </p:cNvPr>
@@ -6291,7 +6261,7 @@
           <p:nvPr/>
         </p:nvPicPr>
         <p:blipFill>
-          <a:blip r:embed="rId15">
+          <a:blip r:embed="rId14">
             <a:extLst>
               <a:ext uri="{28A0092B-C50C-407E-A947-70E740481C1C}">
                 <a14:useLocalDpi xmlns:a14="http://schemas.microsoft.com/office/drawing/2010/main" val="0"/>
@@ -6304,9 +6274,9 @@
           </a:stretch>
         </p:blipFill>
         <p:spPr bwMode="auto">
-          <a:xfrm>
-            <a:off x="6832266" y="6255369"/>
-            <a:ext cx="664878" cy="664878"/>
+          <a:xfrm flipH="1">
+            <a:off x="7529367" y="988384"/>
+            <a:ext cx="497863" cy="497863"/>
           </a:xfrm>
           <a:prstGeom prst="rect">
             <a:avLst/>
@@ -6323,6 +6293,48 @@
           </a:extLst>
         </p:spPr>
       </p:pic>
+      <p:cxnSp>
+        <p:nvCxnSpPr>
+          <p:cNvPr id="9" name="Straight Arrow Connector 8">
+            <a:extLst>
+              <a:ext uri="{FF2B5EF4-FFF2-40B4-BE49-F238E27FC236}">
+                <a16:creationId xmlns:a16="http://schemas.microsoft.com/office/drawing/2014/main" id="{BE5E99D8-5CE2-5133-BA4A-CA9E286D6D08}"/>
+              </a:ext>
+            </a:extLst>
+          </p:cNvPr>
+          <p:cNvCxnSpPr>
+            <a:cxnSpLocks/>
+            <a:stCxn id="1026" idx="3"/>
+          </p:cNvCxnSpPr>
+          <p:nvPr/>
+        </p:nvCxnSpPr>
+        <p:spPr>
+          <a:xfrm>
+            <a:off x="1346521" y="4240536"/>
+            <a:ext cx="882566" cy="495214"/>
+          </a:xfrm>
+          <a:prstGeom prst="straightConnector1">
+            <a:avLst/>
+          </a:prstGeom>
+          <a:ln>
+            <a:tailEnd type="triangle"/>
+          </a:ln>
+        </p:spPr>
+        <p:style>
+          <a:lnRef idx="3">
+            <a:schemeClr val="accent2"/>
+          </a:lnRef>
+          <a:fillRef idx="0">
+            <a:schemeClr val="accent2"/>
+          </a:fillRef>
+          <a:effectRef idx="2">
+            <a:schemeClr val="accent2"/>
+          </a:effectRef>
+          <a:fontRef idx="minor">
+            <a:schemeClr val="tx1"/>
+          </a:fontRef>
+        </p:style>
+      </p:cxnSp>
     </p:spTree>
     <p:extLst>
       <p:ext uri="{BB962C8B-B14F-4D97-AF65-F5344CB8AC3E}">
